--- a/git-kurs.pptx
+++ b/git-kurs.pptx
@@ -856,7 +856,7 @@
                 </a:lnSpc>
                 <a:defRPr/>
               </a:pPr>
-              <a:t>03.06.2019</a:t>
+              <a:t>04.06.2019</a:t>
             </a:fld>
             <a:endParaRPr lang="de-DE" sz="900" dirty="0"/>
           </a:p>
@@ -1902,7 +1902,7 @@
                 </a:lnSpc>
                 <a:defRPr/>
               </a:pPr>
-              <a:t>03.06.2019</a:t>
+              <a:t>04.06.2019</a:t>
             </a:fld>
             <a:endParaRPr lang="de-DE" sz="900" dirty="0"/>
           </a:p>
@@ -2602,7 +2602,7 @@
               <a:pPr>
                 <a:defRPr/>
               </a:pPr>
-              <a:t>03.06.2019</a:t>
+              <a:t>04.06.2019</a:t>
             </a:fld>
             <a:endParaRPr lang="de-DE" dirty="0"/>
           </a:p>
@@ -4093,7 +4093,7 @@
               <a:pPr>
                 <a:defRPr/>
               </a:pPr>
-              <a:t>03.06.2019</a:t>
+              <a:t>04.06.2019</a:t>
             </a:fld>
             <a:endParaRPr lang="de-DE" dirty="0"/>
           </a:p>
@@ -4363,7 +4363,7 @@
               <a:pPr>
                 <a:defRPr/>
               </a:pPr>
-              <a:t>03.06.2019</a:t>
+              <a:t>04.06.2019</a:t>
             </a:fld>
             <a:endParaRPr lang="de-DE" dirty="0"/>
           </a:p>
@@ -4728,7 +4728,7 @@
               <a:pPr>
                 <a:defRPr/>
               </a:pPr>
-              <a:t>03.06.2019</a:t>
+              <a:t>04.06.2019</a:t>
             </a:fld>
             <a:endParaRPr lang="de-DE" dirty="0"/>
           </a:p>
@@ -4998,7 +4998,7 @@
               <a:pPr>
                 <a:defRPr/>
               </a:pPr>
-              <a:t>03.06.2019</a:t>
+              <a:t>04.06.2019</a:t>
             </a:fld>
             <a:endParaRPr lang="de-DE" dirty="0"/>
           </a:p>
@@ -5414,7 +5414,7 @@
               <a:pPr>
                 <a:defRPr/>
               </a:pPr>
-              <a:t>03.06.2019</a:t>
+              <a:t>04.06.2019</a:t>
             </a:fld>
             <a:endParaRPr lang="de-DE" dirty="0"/>
           </a:p>
@@ -5969,7 +5969,7 @@
               <a:pPr>
                 <a:defRPr/>
               </a:pPr>
-              <a:t>03.06.2019</a:t>
+              <a:t>04.06.2019</a:t>
             </a:fld>
             <a:endParaRPr lang="de-DE" dirty="0"/>
           </a:p>
@@ -6236,7 +6236,7 @@
               <a:pPr>
                 <a:defRPr/>
               </a:pPr>
-              <a:t>03.06.2019</a:t>
+              <a:t>04.06.2019</a:t>
             </a:fld>
             <a:endParaRPr lang="de-DE" dirty="0"/>
           </a:p>
@@ -6343,7 +6343,7 @@
               <a:pPr>
                 <a:defRPr/>
               </a:pPr>
-              <a:t>03.06.2019</a:t>
+              <a:t>04.06.2019</a:t>
             </a:fld>
             <a:endParaRPr lang="de-DE" dirty="0"/>
           </a:p>
@@ -7342,7 +7342,7 @@
               <a:pPr>
                 <a:defRPr/>
               </a:pPr>
-              <a:t>03.06.2019</a:t>
+              <a:t>04.06.2019</a:t>
             </a:fld>
             <a:endParaRPr lang="de-DE" dirty="0"/>
           </a:p>
@@ -7698,7 +7698,7 @@
               <a:pPr>
                 <a:defRPr/>
               </a:pPr>
-              <a:t>03.06.2019</a:t>
+              <a:t>04.06.2019</a:t>
             </a:fld>
             <a:endParaRPr lang="de-DE" dirty="0"/>
           </a:p>
@@ -9196,7 +9196,7 @@
               <a:pPr>
                 <a:defRPr/>
               </a:pPr>
-              <a:t>03.06.2019</a:t>
+              <a:t>04.06.2019</a:t>
             </a:fld>
             <a:endParaRPr lang="de-DE" dirty="0"/>
           </a:p>
@@ -9463,7 +9463,7 @@
               <a:pPr>
                 <a:defRPr/>
               </a:pPr>
-              <a:t>03.06.2019</a:t>
+              <a:t>04.06.2019</a:t>
             </a:fld>
             <a:endParaRPr lang="de-DE" dirty="0"/>
           </a:p>
@@ -9864,7 +9864,7 @@
               <a:pPr>
                 <a:defRPr/>
               </a:pPr>
-              <a:t>03.06.2019</a:t>
+              <a:t>04.06.2019</a:t>
             </a:fld>
             <a:endParaRPr lang="de-DE" dirty="0"/>
           </a:p>
@@ -10410,7 +10410,7 @@
               <a:pPr>
                 <a:defRPr/>
               </a:pPr>
-              <a:t>03.06.2019</a:t>
+              <a:t>04.06.2019</a:t>
             </a:fld>
             <a:endParaRPr lang="de-DE" dirty="0"/>
           </a:p>
@@ -10676,7 +10676,7 @@
               <a:pPr>
                 <a:defRPr/>
               </a:pPr>
-              <a:t>03.06.2019</a:t>
+              <a:t>04.06.2019</a:t>
             </a:fld>
             <a:endParaRPr lang="de-DE" dirty="0"/>
           </a:p>
@@ -10783,7 +10783,7 @@
               <a:pPr>
                 <a:defRPr/>
               </a:pPr>
-              <a:t>03.06.2019</a:t>
+              <a:t>04.06.2019</a:t>
             </a:fld>
             <a:endParaRPr lang="de-DE" dirty="0"/>
           </a:p>
@@ -11769,7 +11769,7 @@
               <a:pPr>
                 <a:defRPr/>
               </a:pPr>
-              <a:t>03.06.2019</a:t>
+              <a:t>04.06.2019</a:t>
             </a:fld>
             <a:endParaRPr lang="de-DE" dirty="0"/>
           </a:p>
@@ -12556,7 +12556,7 @@
               <a:pPr>
                 <a:defRPr/>
               </a:pPr>
-              <a:t>03.06.2019</a:t>
+              <a:t>04.06.2019</a:t>
             </a:fld>
             <a:endParaRPr lang="de-DE" dirty="0"/>
           </a:p>
@@ -13608,7 +13608,7 @@
               <a:pPr>
                 <a:defRPr/>
               </a:pPr>
-              <a:t>03.06.2019</a:t>
+              <a:t>04.06.2019</a:t>
             </a:fld>
             <a:endParaRPr lang="de-DE" dirty="0"/>
           </a:p>
@@ -14670,7 +14670,7 @@
                   <a:spcPct val="0"/>
                 </a:spcAft>
               </a:pPr>
-              <a:t>03.06.2019</a:t>
+              <a:t>04.06.2019</a:t>
             </a:fld>
             <a:endParaRPr lang="de-DE" altLang="de-DE"/>
           </a:p>
@@ -14872,7 +14872,7 @@
                 <a:latin typeface="Liberation Mono" panose="02070409020205020404" pitchFamily="49" charset="0"/>
                 <a:cs typeface="Liberation Mono" panose="02070409020205020404" pitchFamily="49" charset="0"/>
               </a:rPr>
-              <a:t> -m “</a:t>
+              <a:t> -m "</a:t>
             </a:r>
             <a:r>
               <a:rPr lang="de-DE" dirty="0" err="1">
@@ -14900,7 +14900,7 @@
                 <a:latin typeface="Liberation Mono" panose="02070409020205020404" pitchFamily="49" charset="0"/>
                 <a:cs typeface="Liberation Mono" panose="02070409020205020404" pitchFamily="49" charset="0"/>
               </a:rPr>
-              <a:t> hinzu“</a:t>
+              <a:t> hinzu"</a:t>
             </a:r>
           </a:p>
           <a:p>
@@ -15099,7 +15099,7 @@
               <a:pPr>
                 <a:defRPr/>
               </a:pPr>
-              <a:t>03.06.2019</a:t>
+              <a:t>04.06.2019</a:t>
             </a:fld>
             <a:endParaRPr lang="de-DE" dirty="0"/>
           </a:p>
@@ -15384,7 +15384,7 @@
                 <a:latin typeface="Liberation Mono" panose="02070409020205020404" pitchFamily="49" charset="0"/>
                 <a:cs typeface="Liberation Mono" panose="02070409020205020404" pitchFamily="49" charset="0"/>
               </a:rPr>
-              <a:t>echo “# Aufgabe 1“ &gt;&gt; readme.md</a:t>
+              <a:t>echo "# Aufgabe 1" &gt;&gt; readme.md</a:t>
             </a:r>
           </a:p>
           <a:p>
@@ -16623,7 +16623,7 @@
               <a:pPr>
                 <a:defRPr/>
               </a:pPr>
-              <a:t>03.06.2019</a:t>
+              <a:t>04.06.2019</a:t>
             </a:fld>
             <a:endParaRPr lang="de-DE" dirty="0"/>
           </a:p>
@@ -17199,7 +17199,7 @@
               <a:pPr>
                 <a:defRPr/>
               </a:pPr>
-              <a:t>03.06.2019</a:t>
+              <a:t>04.06.2019</a:t>
             </a:fld>
             <a:endParaRPr lang="de-DE" dirty="0"/>
           </a:p>
@@ -18176,7 +18176,7 @@
                   <a:spcPct val="0"/>
                 </a:spcAft>
               </a:pPr>
-              <a:t>03.06.2019</a:t>
+              <a:t>04.06.2019</a:t>
             </a:fld>
             <a:endParaRPr lang="de-DE" altLang="de-DE"/>
           </a:p>
@@ -18579,7 +18579,7 @@
               <a:pPr>
                 <a:defRPr/>
               </a:pPr>
-              <a:t>03.06.2019</a:t>
+              <a:t>04.06.2019</a:t>
             </a:fld>
             <a:endParaRPr lang="de-DE" dirty="0"/>
           </a:p>
@@ -18811,7 +18811,7 @@
               <a:pPr>
                 <a:defRPr/>
               </a:pPr>
-              <a:t>03.06.2019</a:t>
+              <a:t>04.06.2019</a:t>
             </a:fld>
             <a:endParaRPr lang="de-DE" dirty="0"/>
           </a:p>
@@ -19049,7 +19049,7 @@
               <a:pPr>
                 <a:defRPr/>
               </a:pPr>
-              <a:t>03.06.2019</a:t>
+              <a:t>04.06.2019</a:t>
             </a:fld>
             <a:endParaRPr lang="de-DE" dirty="0"/>
           </a:p>
@@ -20170,7 +20170,7 @@
               <a:pPr>
                 <a:defRPr/>
               </a:pPr>
-              <a:t>03.06.2019</a:t>
+              <a:t>04.06.2019</a:t>
             </a:fld>
             <a:endParaRPr lang="de-DE" dirty="0"/>
           </a:p>
@@ -20544,7 +20544,7 @@
                 <a:latin typeface="Liberation Mono" panose="02070409020205020404" pitchFamily="49" charset="0"/>
                 <a:cs typeface="Liberation Mono" panose="02070409020205020404" pitchFamily="49" charset="0"/>
               </a:rPr>
-              <a:t>echo “</a:t>
+              <a:t>echo "</a:t>
             </a:r>
             <a:r>
               <a:rPr lang="de-DE" dirty="0">
@@ -20559,7 +20559,7 @@
                 <a:latin typeface="Liberation Mono" panose="02070409020205020404" pitchFamily="49" charset="0"/>
                 <a:cs typeface="Liberation Mono" panose="02070409020205020404" pitchFamily="49" charset="0"/>
               </a:rPr>
-              <a:t>“ &gt;&gt; .</a:t>
+              <a:t>" &gt;&gt; .</a:t>
             </a:r>
             <a:r>
               <a:rPr lang="de-DE" dirty="0" err="1">

--- a/git-kurs.pptx
+++ b/git-kurs.pptx
@@ -14951,7 +14951,7 @@
                 <a:latin typeface="Liberation Mono" panose="02070409020205020404" pitchFamily="49" charset="0"/>
                 <a:cs typeface="Liberation Mono" panose="02070409020205020404" pitchFamily="49" charset="0"/>
               </a:rPr>
-              <a:t> readme.md</a:t>
+              <a:t> README.md</a:t>
             </a:r>
           </a:p>
           <a:p>
@@ -15384,8 +15384,19 @@
                 <a:latin typeface="Liberation Mono" panose="02070409020205020404" pitchFamily="49" charset="0"/>
                 <a:cs typeface="Liberation Mono" panose="02070409020205020404" pitchFamily="49" charset="0"/>
               </a:rPr>
-              <a:t>echo "# Aufgabe 1" &gt;&gt; readme.md</a:t>
-            </a:r>
+              <a:t>echo "# Aufgabe 1" </a:t>
+            </a:r>
+            <a:r>
+              <a:rPr lang="de-DE">
+                <a:latin typeface="Liberation Mono" panose="02070409020205020404" pitchFamily="49" charset="0"/>
+                <a:cs typeface="Liberation Mono" panose="02070409020205020404" pitchFamily="49" charset="0"/>
+              </a:rPr>
+              <a:t>&gt;&gt; README.md</a:t>
+            </a:r>
+            <a:endParaRPr lang="de-DE" dirty="0">
+              <a:latin typeface="Liberation Mono" panose="02070409020205020404" pitchFamily="49" charset="0"/>
+              <a:cs typeface="Liberation Mono" panose="02070409020205020404" pitchFamily="49" charset="0"/>
+            </a:endParaRPr>
           </a:p>
           <a:p>
             <a:pPr marL="642938" lvl="1" indent="-457200">
